--- a/UnskilledStudio/CookXme/CookXme.pptx
+++ b/UnskilledStudio/CookXme/CookXme.pptx
@@ -5,7 +5,7 @@
     <p:sldMasterId id="2147483648" r:id="rId1"/>
   </p:sldMasterIdLst>
   <p:notesMasterIdLst>
-    <p:notesMasterId r:id="rId14"/>
+    <p:notesMasterId r:id="rId15"/>
   </p:notesMasterIdLst>
   <p:sldIdLst>
     <p:sldId id="256" r:id="rId2"/>
@@ -20,6 +20,7 @@
     <p:sldId id="264" r:id="rId11"/>
     <p:sldId id="266" r:id="rId12"/>
     <p:sldId id="267" r:id="rId13"/>
+    <p:sldId id="268" r:id="rId14"/>
   </p:sldIdLst>
   <p:sldSz cx="9144000" cy="6858000" type="screen4x3"/>
   <p:notesSz cx="6858000" cy="9144000"/>
@@ -203,7 +204,8 @@
           <a:p>
             <a:fld id="{252B2DB4-9253-4EE9-8966-47E3F657B1DE}" type="datetimeFigureOut">
               <a:rPr lang="fr-FR" smtClean="0"/>
-              <a:t>19/08/2019</a:t>
+              <a:pPr/>
+              <a:t>20/08/2019</a:t>
             </a:fld>
             <a:endParaRPr lang="fr-FR"/>
           </a:p>
@@ -364,6 +366,7 @@
           <a:p>
             <a:fld id="{D0BA8BCF-1B57-4B81-8BAE-B8AD95E00893}" type="slidenum">
               <a:rPr lang="fr-FR" smtClean="0"/>
+              <a:pPr/>
               <a:t>‹N°›</a:t>
             </a:fld>
             <a:endParaRPr lang="fr-FR"/>
@@ -535,6 +538,7 @@
           <a:p>
             <a:fld id="{D0BA8BCF-1B57-4B81-8BAE-B8AD95E00893}" type="slidenum">
               <a:rPr lang="fr-FR" smtClean="0"/>
+              <a:pPr/>
               <a:t>6</a:t>
             </a:fld>
             <a:endParaRPr lang="fr-FR"/>
@@ -731,7 +735,7 @@
             <a:fld id="{3D1306C7-22D7-4212-BCEF-D2C37F25D3D3}" type="datetimeFigureOut">
               <a:rPr lang="fr-FR" smtClean="0"/>
               <a:pPr/>
-              <a:t>19/08/2019</a:t>
+              <a:t>20/08/2019</a:t>
             </a:fld>
             <a:endParaRPr lang="fr-FR"/>
           </a:p>
@@ -898,7 +902,7 @@
             <a:fld id="{3D1306C7-22D7-4212-BCEF-D2C37F25D3D3}" type="datetimeFigureOut">
               <a:rPr lang="fr-FR" smtClean="0"/>
               <a:pPr/>
-              <a:t>19/08/2019</a:t>
+              <a:t>20/08/2019</a:t>
             </a:fld>
             <a:endParaRPr lang="fr-FR"/>
           </a:p>
@@ -1075,7 +1079,7 @@
             <a:fld id="{3D1306C7-22D7-4212-BCEF-D2C37F25D3D3}" type="datetimeFigureOut">
               <a:rPr lang="fr-FR" smtClean="0"/>
               <a:pPr/>
-              <a:t>19/08/2019</a:t>
+              <a:t>20/08/2019</a:t>
             </a:fld>
             <a:endParaRPr lang="fr-FR"/>
           </a:p>
@@ -1242,7 +1246,7 @@
             <a:fld id="{3D1306C7-22D7-4212-BCEF-D2C37F25D3D3}" type="datetimeFigureOut">
               <a:rPr lang="fr-FR" smtClean="0"/>
               <a:pPr/>
-              <a:t>19/08/2019</a:t>
+              <a:t>20/08/2019</a:t>
             </a:fld>
             <a:endParaRPr lang="fr-FR"/>
           </a:p>
@@ -1485,7 +1489,7 @@
             <a:fld id="{3D1306C7-22D7-4212-BCEF-D2C37F25D3D3}" type="datetimeFigureOut">
               <a:rPr lang="fr-FR" smtClean="0"/>
               <a:pPr/>
-              <a:t>19/08/2019</a:t>
+              <a:t>20/08/2019</a:t>
             </a:fld>
             <a:endParaRPr lang="fr-FR"/>
           </a:p>
@@ -1770,7 +1774,7 @@
             <a:fld id="{3D1306C7-22D7-4212-BCEF-D2C37F25D3D3}" type="datetimeFigureOut">
               <a:rPr lang="fr-FR" smtClean="0"/>
               <a:pPr/>
-              <a:t>19/08/2019</a:t>
+              <a:t>20/08/2019</a:t>
             </a:fld>
             <a:endParaRPr lang="fr-FR"/>
           </a:p>
@@ -2189,7 +2193,7 @@
             <a:fld id="{3D1306C7-22D7-4212-BCEF-D2C37F25D3D3}" type="datetimeFigureOut">
               <a:rPr lang="fr-FR" smtClean="0"/>
               <a:pPr/>
-              <a:t>19/08/2019</a:t>
+              <a:t>20/08/2019</a:t>
             </a:fld>
             <a:endParaRPr lang="fr-FR"/>
           </a:p>
@@ -2304,7 +2308,7 @@
             <a:fld id="{3D1306C7-22D7-4212-BCEF-D2C37F25D3D3}" type="datetimeFigureOut">
               <a:rPr lang="fr-FR" smtClean="0"/>
               <a:pPr/>
-              <a:t>19/08/2019</a:t>
+              <a:t>20/08/2019</a:t>
             </a:fld>
             <a:endParaRPr lang="fr-FR"/>
           </a:p>
@@ -2396,7 +2400,7 @@
             <a:fld id="{3D1306C7-22D7-4212-BCEF-D2C37F25D3D3}" type="datetimeFigureOut">
               <a:rPr lang="fr-FR" smtClean="0"/>
               <a:pPr/>
-              <a:t>19/08/2019</a:t>
+              <a:t>20/08/2019</a:t>
             </a:fld>
             <a:endParaRPr lang="fr-FR"/>
           </a:p>
@@ -2670,7 +2674,7 @@
             <a:fld id="{3D1306C7-22D7-4212-BCEF-D2C37F25D3D3}" type="datetimeFigureOut">
               <a:rPr lang="fr-FR" smtClean="0"/>
               <a:pPr/>
-              <a:t>19/08/2019</a:t>
+              <a:t>20/08/2019</a:t>
             </a:fld>
             <a:endParaRPr lang="fr-FR"/>
           </a:p>
@@ -2920,7 +2924,7 @@
             <a:fld id="{3D1306C7-22D7-4212-BCEF-D2C37F25D3D3}" type="datetimeFigureOut">
               <a:rPr lang="fr-FR" smtClean="0"/>
               <a:pPr/>
-              <a:t>19/08/2019</a:t>
+              <a:t>20/08/2019</a:t>
             </a:fld>
             <a:endParaRPr lang="fr-FR"/>
           </a:p>
@@ -3130,7 +3134,7 @@
             <a:fld id="{3D1306C7-22D7-4212-BCEF-D2C37F25D3D3}" type="datetimeFigureOut">
               <a:rPr lang="fr-FR" smtClean="0"/>
               <a:pPr/>
-              <a:t>19/08/2019</a:t>
+              <a:t>20/08/2019</a:t>
             </a:fld>
             <a:endParaRPr lang="fr-FR"/>
           </a:p>
@@ -3644,16 +3648,142 @@
             </a:r>
             <a:r>
               <a:rPr lang="fr-FR" dirty="0" smtClean="0"/>
+              <a:t> / or login.</a:t>
+            </a:r>
+          </a:p>
+          <a:p>
+            <a:r>
+              <a:rPr lang="fr-FR" dirty="0" err="1" smtClean="0"/>
+              <a:t>We</a:t>
+            </a:r>
+            <a:r>
+              <a:rPr lang="fr-FR" dirty="0" smtClean="0"/>
               <a:t> </a:t>
             </a:r>
             <a:r>
-              <a:rPr lang="fr-FR" dirty="0" smtClean="0"/>
-              <a:t>/ or login.</a:t>
+              <a:rPr lang="fr-FR" dirty="0" err="1" smtClean="0"/>
+              <a:t>validate</a:t>
+            </a:r>
+            <a:r>
+              <a:rPr lang="fr-FR" dirty="0" smtClean="0"/>
+              <a:t> the profil </a:t>
+            </a:r>
+            <a:r>
+              <a:rPr lang="fr-FR" dirty="0" err="1" smtClean="0"/>
+              <a:t>cook</a:t>
+            </a:r>
+            <a:r>
+              <a:rPr lang="fr-FR" dirty="0" smtClean="0"/>
+              <a:t>.</a:t>
+            </a:r>
+          </a:p>
+          <a:p>
+            <a:r>
+              <a:rPr lang="fr-FR" dirty="0" smtClean="0"/>
+              <a:t>B </a:t>
+            </a:r>
+            <a:r>
+              <a:rPr lang="fr-FR" dirty="0" err="1" smtClean="0"/>
+              <a:t>create</a:t>
+            </a:r>
+            <a:r>
+              <a:rPr lang="fr-FR" dirty="0" smtClean="0"/>
+              <a:t> an </a:t>
+            </a:r>
+            <a:r>
+              <a:rPr lang="fr-FR" dirty="0" err="1" smtClean="0"/>
+              <a:t>event</a:t>
+            </a:r>
+            <a:r>
+              <a:rPr lang="fr-FR" dirty="0" smtClean="0"/>
+              <a:t> [</a:t>
+            </a:r>
+            <a:r>
+              <a:rPr lang="fr-FR" dirty="0" err="1" smtClean="0"/>
+              <a:t>create</a:t>
+            </a:r>
+            <a:r>
+              <a:rPr lang="fr-FR" dirty="0" smtClean="0"/>
+              <a:t> a menu] </a:t>
+            </a:r>
+            <a:r>
+              <a:rPr lang="fr-FR" dirty="0" err="1" smtClean="0"/>
+              <a:t>automaticaly</a:t>
+            </a:r>
+            <a:r>
+              <a:rPr lang="fr-FR" dirty="0" smtClean="0"/>
+              <a:t> </a:t>
+            </a:r>
+            <a:r>
+              <a:rPr lang="fr-FR" dirty="0" err="1" smtClean="0"/>
+              <a:t>published</a:t>
+            </a:r>
+            <a:r>
+              <a:rPr lang="fr-FR" dirty="0" smtClean="0"/>
+              <a:t> on </a:t>
+            </a:r>
+            <a:r>
+              <a:rPr lang="fr-FR" dirty="0" err="1" smtClean="0"/>
+              <a:t>his</a:t>
+            </a:r>
+            <a:r>
+              <a:rPr lang="fr-FR" dirty="0" smtClean="0"/>
+              <a:t> </a:t>
+            </a:r>
+            <a:r>
+              <a:rPr lang="fr-FR" dirty="0" err="1" smtClean="0"/>
+              <a:t>wall</a:t>
             </a:r>
             <a:endParaRPr lang="fr-FR" dirty="0" smtClean="0"/>
           </a:p>
           <a:p>
             <a:r>
+              <a:rPr lang="fr-FR" dirty="0" smtClean="0"/>
+              <a:t>A input location+date+Pax, the </a:t>
+            </a:r>
+            <a:r>
+              <a:rPr lang="fr-FR" dirty="0" err="1" smtClean="0"/>
+              <a:t>list</a:t>
+            </a:r>
+            <a:r>
+              <a:rPr lang="fr-FR" dirty="0" smtClean="0"/>
+              <a:t> </a:t>
+            </a:r>
+            <a:r>
+              <a:rPr lang="fr-FR" dirty="0" err="1" smtClean="0"/>
+              <a:t>is</a:t>
+            </a:r>
+            <a:r>
+              <a:rPr lang="fr-FR" dirty="0" smtClean="0"/>
+              <a:t> </a:t>
+            </a:r>
+            <a:r>
+              <a:rPr lang="fr-FR" dirty="0" err="1" smtClean="0"/>
+              <a:t>displayed</a:t>
+            </a:r>
+            <a:r>
+              <a:rPr lang="fr-FR" dirty="0" smtClean="0"/>
+              <a:t>. A select an </a:t>
+            </a:r>
+            <a:r>
+              <a:rPr lang="fr-FR" dirty="0" err="1" smtClean="0"/>
+              <a:t>event</a:t>
+            </a:r>
+            <a:r>
+              <a:rPr lang="fr-FR" dirty="0" smtClean="0"/>
+              <a:t>. A have to </a:t>
+            </a:r>
+            <a:r>
+              <a:rPr lang="fr-FR" dirty="0" err="1" smtClean="0"/>
+              <a:t>create</a:t>
+            </a:r>
+            <a:r>
+              <a:rPr lang="fr-FR" dirty="0" smtClean="0"/>
+              <a:t> a profil/ or login. </a:t>
+            </a:r>
+          </a:p>
+          <a:p>
+            <a:r>
               <a:rPr lang="fr-FR" dirty="0" err="1" smtClean="0"/>
               <a:t>We</a:t>
             </a:r>
@@ -3667,185 +3797,8 @@
             </a:r>
             <a:r>
               <a:rPr lang="fr-FR" dirty="0" smtClean="0"/>
-              <a:t> </a:t>
-            </a:r>
-            <a:r>
-              <a:rPr lang="fr-FR" dirty="0" smtClean="0"/>
-              <a:t>the </a:t>
-            </a:r>
-            <a:r>
-              <a:rPr lang="fr-FR" dirty="0" smtClean="0"/>
-              <a:t>profil </a:t>
-            </a:r>
-            <a:r>
-              <a:rPr lang="fr-FR" dirty="0" err="1" smtClean="0"/>
-              <a:t>cook</a:t>
-            </a:r>
-            <a:r>
-              <a:rPr lang="fr-FR" dirty="0" smtClean="0"/>
-              <a:t>.</a:t>
-            </a:r>
-            <a:endParaRPr lang="fr-FR" dirty="0" smtClean="0"/>
-          </a:p>
-          <a:p>
-            <a:r>
-              <a:rPr lang="fr-FR" dirty="0" smtClean="0"/>
-              <a:t>B </a:t>
-            </a:r>
-            <a:r>
-              <a:rPr lang="fr-FR" dirty="0" err="1" smtClean="0"/>
-              <a:t>create</a:t>
-            </a:r>
-            <a:r>
-              <a:rPr lang="fr-FR" dirty="0" smtClean="0"/>
-              <a:t> </a:t>
-            </a:r>
-            <a:r>
-              <a:rPr lang="fr-FR" dirty="0" smtClean="0"/>
-              <a:t>an </a:t>
-            </a:r>
-            <a:r>
-              <a:rPr lang="fr-FR" dirty="0" err="1" smtClean="0"/>
-              <a:t>event</a:t>
-            </a:r>
-            <a:r>
-              <a:rPr lang="fr-FR" dirty="0" smtClean="0"/>
-              <a:t> [</a:t>
-            </a:r>
-            <a:r>
-              <a:rPr lang="fr-FR" dirty="0" err="1" smtClean="0"/>
-              <a:t>create</a:t>
-            </a:r>
-            <a:r>
-              <a:rPr lang="fr-FR" dirty="0" smtClean="0"/>
-              <a:t> a </a:t>
-            </a:r>
-            <a:r>
-              <a:rPr lang="fr-FR" dirty="0" smtClean="0"/>
-              <a:t>menu] </a:t>
-            </a:r>
-            <a:r>
-              <a:rPr lang="fr-FR" dirty="0" err="1" smtClean="0"/>
-              <a:t>automaticaly</a:t>
-            </a:r>
-            <a:r>
-              <a:rPr lang="fr-FR" dirty="0" smtClean="0"/>
-              <a:t> </a:t>
-            </a:r>
-            <a:r>
-              <a:rPr lang="fr-FR" dirty="0" err="1" smtClean="0"/>
-              <a:t>published</a:t>
-            </a:r>
-            <a:r>
-              <a:rPr lang="fr-FR" dirty="0" smtClean="0"/>
-              <a:t> on </a:t>
-            </a:r>
-            <a:r>
-              <a:rPr lang="fr-FR" dirty="0" err="1" smtClean="0"/>
-              <a:t>his</a:t>
-            </a:r>
-            <a:r>
-              <a:rPr lang="fr-FR" dirty="0" smtClean="0"/>
-              <a:t> </a:t>
-            </a:r>
-            <a:r>
-              <a:rPr lang="fr-FR" dirty="0" err="1" smtClean="0"/>
-              <a:t>wall</a:t>
-            </a:r>
-            <a:endParaRPr lang="fr-FR" dirty="0" smtClean="0"/>
-          </a:p>
-          <a:p>
-            <a:r>
-              <a:rPr lang="fr-FR" dirty="0" smtClean="0"/>
-              <a:t>A </a:t>
-            </a:r>
-            <a:r>
-              <a:rPr lang="fr-FR" dirty="0" smtClean="0"/>
-              <a:t>input</a:t>
-            </a:r>
-            <a:r>
-              <a:rPr lang="fr-FR" dirty="0" smtClean="0"/>
-              <a:t> </a:t>
-            </a:r>
-            <a:r>
-              <a:rPr lang="fr-FR" dirty="0" smtClean="0"/>
-              <a:t>location+date+Pax</a:t>
-            </a:r>
-            <a:r>
-              <a:rPr lang="fr-FR" dirty="0" smtClean="0"/>
-              <a:t>, the </a:t>
-            </a:r>
-            <a:r>
-              <a:rPr lang="fr-FR" dirty="0" err="1" smtClean="0"/>
-              <a:t>list</a:t>
-            </a:r>
-            <a:r>
-              <a:rPr lang="fr-FR" dirty="0" smtClean="0"/>
-              <a:t> </a:t>
-            </a:r>
-            <a:r>
-              <a:rPr lang="fr-FR" dirty="0" err="1" smtClean="0"/>
-              <a:t>is</a:t>
-            </a:r>
-            <a:r>
-              <a:rPr lang="fr-FR" dirty="0" smtClean="0"/>
-              <a:t> </a:t>
-            </a:r>
-            <a:r>
-              <a:rPr lang="fr-FR" dirty="0" err="1" smtClean="0"/>
-              <a:t>displayed</a:t>
-            </a:r>
-            <a:r>
-              <a:rPr lang="fr-FR" dirty="0" smtClean="0"/>
-              <a:t>. </a:t>
-            </a:r>
-            <a:r>
-              <a:rPr lang="fr-FR" dirty="0" smtClean="0"/>
-              <a:t>A select an </a:t>
-            </a:r>
-            <a:r>
-              <a:rPr lang="fr-FR" dirty="0" err="1" smtClean="0"/>
-              <a:t>event</a:t>
-            </a:r>
-            <a:r>
-              <a:rPr lang="fr-FR" dirty="0" smtClean="0"/>
-              <a:t>. A have to </a:t>
-            </a:r>
-            <a:r>
-              <a:rPr lang="fr-FR" dirty="0" err="1" smtClean="0"/>
-              <a:t>create</a:t>
-            </a:r>
-            <a:r>
-              <a:rPr lang="fr-FR" dirty="0" smtClean="0"/>
-              <a:t> a profil/ or login. </a:t>
-            </a:r>
-          </a:p>
-          <a:p>
-            <a:r>
-              <a:rPr lang="fr-FR" dirty="0" err="1" smtClean="0"/>
-              <a:t>We</a:t>
-            </a:r>
-            <a:r>
-              <a:rPr lang="fr-FR" dirty="0" smtClean="0"/>
-              <a:t> </a:t>
-            </a:r>
-            <a:r>
-              <a:rPr lang="fr-FR" dirty="0" err="1" smtClean="0"/>
-              <a:t>validate</a:t>
-            </a:r>
-            <a:r>
-              <a:rPr lang="fr-FR" dirty="0" smtClean="0"/>
-              <a:t> the </a:t>
-            </a:r>
-            <a:r>
-              <a:rPr lang="fr-FR" dirty="0" smtClean="0"/>
-              <a:t>profil</a:t>
-            </a:r>
-            <a:r>
-              <a:rPr lang="fr-FR" dirty="0" smtClean="0"/>
-              <a:t>.</a:t>
-            </a:r>
-            <a:endParaRPr lang="fr-FR" dirty="0" smtClean="0"/>
+              <a:t> the profil.</a:t>
+            </a:r>
           </a:p>
           <a:p>
             <a:pPr>
@@ -3948,17 +3901,83 @@
           <a:p>
             <a:r>
               <a:rPr lang="fr-FR" dirty="0" smtClean="0"/>
+              <a:t>A arrive and post a message</a:t>
+            </a:r>
+          </a:p>
+          <a:p>
+            <a:r>
+              <a:rPr lang="fr-FR" dirty="0" err="1" smtClean="0"/>
+              <a:t>We</a:t>
+            </a:r>
+            <a:r>
+              <a:rPr lang="fr-FR" dirty="0" smtClean="0"/>
+              <a:t> </a:t>
+            </a:r>
+            <a:r>
+              <a:rPr lang="fr-FR" dirty="0" err="1" smtClean="0"/>
+              <a:t>validate</a:t>
+            </a:r>
+            <a:r>
+              <a:rPr lang="fr-FR" dirty="0" smtClean="0"/>
+              <a:t> the message</a:t>
+            </a:r>
+          </a:p>
+          <a:p>
+            <a:r>
+              <a:rPr lang="fr-FR" dirty="0" smtClean="0"/>
+              <a:t>B </a:t>
+            </a:r>
+            <a:r>
+              <a:rPr lang="fr-FR" dirty="0" err="1" smtClean="0"/>
+              <a:t>receive</a:t>
+            </a:r>
+            <a:r>
+              <a:rPr lang="fr-FR" dirty="0" smtClean="0"/>
+              <a:t> notification, </a:t>
+            </a:r>
+            <a:r>
+              <a:rPr lang="fr-FR" dirty="0" err="1" smtClean="0"/>
+              <a:t>reply</a:t>
+            </a:r>
+            <a:r>
+              <a:rPr lang="fr-FR" dirty="0" smtClean="0"/>
+              <a:t> </a:t>
+            </a:r>
+          </a:p>
+          <a:p>
+            <a:r>
+              <a:rPr lang="fr-FR" dirty="0" err="1" smtClean="0"/>
+              <a:t>We</a:t>
+            </a:r>
+            <a:r>
+              <a:rPr lang="fr-FR" dirty="0" smtClean="0"/>
+              <a:t> </a:t>
+            </a:r>
+            <a:r>
+              <a:rPr lang="fr-FR" dirty="0" err="1" smtClean="0"/>
+              <a:t>validate</a:t>
+            </a:r>
+            <a:r>
+              <a:rPr lang="fr-FR" dirty="0" smtClean="0"/>
+              <a:t> the message</a:t>
+            </a:r>
+          </a:p>
+          <a:p>
+            <a:r>
+              <a:rPr lang="fr-FR" dirty="0" smtClean="0"/>
               <a:t>A </a:t>
             </a:r>
             <a:r>
-              <a:rPr lang="fr-FR" dirty="0" smtClean="0"/>
-              <a:t>arrive and post a message</a:t>
-            </a:r>
-          </a:p>
-          <a:p>
-            <a:r>
-              <a:rPr lang="fr-FR" dirty="0" err="1" smtClean="0"/>
-              <a:t>We</a:t>
+              <a:rPr lang="fr-FR" dirty="0" err="1" smtClean="0"/>
+              <a:t>booX</a:t>
+            </a:r>
+            <a:r>
+              <a:rPr lang="fr-FR" dirty="0" smtClean="0"/>
+              <a:t> B </a:t>
+            </a:r>
+            <a:r>
+              <a:rPr lang="fr-FR" dirty="0" err="1" smtClean="0"/>
+              <a:t>event</a:t>
             </a:r>
             <a:r>
               <a:rPr lang="fr-FR" dirty="0" smtClean="0"/>
@@ -3966,11 +3985,51 @@
             </a:r>
             <a:r>
               <a:rPr lang="fr-FR" dirty="0" err="1" smtClean="0"/>
-              <a:t>validate</a:t>
-            </a:r>
-            <a:r>
-              <a:rPr lang="fr-FR" dirty="0" smtClean="0"/>
-              <a:t> the message</a:t>
+              <a:t>add</a:t>
+            </a:r>
+            <a:r>
+              <a:rPr lang="fr-FR" dirty="0" smtClean="0"/>
+              <a:t> </a:t>
+            </a:r>
+            <a:r>
+              <a:rPr lang="fr-FR" dirty="0" err="1" smtClean="0"/>
+              <a:t>details</a:t>
+            </a:r>
+            <a:r>
+              <a:rPr lang="fr-FR" dirty="0" smtClean="0"/>
+              <a:t>: pax, </a:t>
+            </a:r>
+            <a:r>
+              <a:rPr lang="fr-FR" dirty="0" err="1" smtClean="0"/>
+              <a:t>arrival</a:t>
+            </a:r>
+            <a:r>
+              <a:rPr lang="fr-FR" dirty="0" smtClean="0"/>
+              <a:t> time, </a:t>
+            </a:r>
+            <a:r>
+              <a:rPr lang="fr-FR" dirty="0" err="1" smtClean="0"/>
+              <a:t>add</a:t>
+            </a:r>
+            <a:r>
+              <a:rPr lang="fr-FR" dirty="0" smtClean="0"/>
+              <a:t> </a:t>
+            </a:r>
+            <a:r>
+              <a:rPr lang="fr-FR" dirty="0" err="1" smtClean="0"/>
+              <a:t>his</a:t>
+            </a:r>
+            <a:r>
+              <a:rPr lang="fr-FR" dirty="0" smtClean="0"/>
+              <a:t> CB, </a:t>
+            </a:r>
+            <a:r>
+              <a:rPr lang="fr-FR" dirty="0" err="1" smtClean="0"/>
+              <a:t>confirm</a:t>
+            </a:r>
+            <a:r>
+              <a:rPr lang="fr-FR" dirty="0" smtClean="0"/>
+              <a:t>.</a:t>
             </a:r>
           </a:p>
           <a:p>
@@ -3984,21 +4043,148 @@
             </a:r>
             <a:r>
               <a:rPr lang="fr-FR" dirty="0" smtClean="0"/>
-              <a:t> notification, </a:t>
-            </a:r>
-            <a:r>
-              <a:rPr lang="fr-FR" dirty="0" err="1" smtClean="0"/>
-              <a:t>reply</a:t>
+              <a:t> notification about A </a:t>
+            </a:r>
+            <a:r>
+              <a:rPr lang="fr-FR" dirty="0" err="1" smtClean="0"/>
+              <a:t>with</a:t>
+            </a:r>
+            <a:r>
+              <a:rPr lang="fr-FR" dirty="0" smtClean="0"/>
+              <a:t> the profil </a:t>
+            </a:r>
+            <a:r>
+              <a:rPr lang="fr-FR" dirty="0" err="1" smtClean="0"/>
+              <a:t>access</a:t>
+            </a:r>
+            <a:r>
+              <a:rPr lang="fr-FR" dirty="0" smtClean="0"/>
+              <a:t> + </a:t>
+            </a:r>
+            <a:r>
+              <a:rPr lang="fr-FR" dirty="0" err="1" smtClean="0"/>
+              <a:t>detail</a:t>
+            </a:r>
+            <a:r>
+              <a:rPr lang="fr-FR" dirty="0" smtClean="0"/>
+              <a:t>. </a:t>
+            </a:r>
+            <a:r>
+              <a:rPr lang="fr-FR" dirty="0" err="1" smtClean="0"/>
+              <a:t>Accept</a:t>
+            </a:r>
+            <a:r>
+              <a:rPr lang="fr-FR" dirty="0" smtClean="0"/>
+              <a:t> A </a:t>
+            </a:r>
+            <a:r>
+              <a:rPr lang="fr-FR" dirty="0" err="1" smtClean="0"/>
+              <a:t>before</a:t>
+            </a:r>
+            <a:r>
+              <a:rPr lang="fr-FR" dirty="0" smtClean="0"/>
+              <a:t> the </a:t>
+            </a:r>
+            <a:r>
+              <a:rPr lang="fr-FR" dirty="0" err="1" smtClean="0"/>
+              <a:t>next</a:t>
+            </a:r>
+            <a:r>
+              <a:rPr lang="fr-FR" dirty="0" smtClean="0"/>
+              <a:t>  30 minutes or refuse.</a:t>
+            </a:r>
+          </a:p>
+          <a:p>
+            <a:pPr>
+              <a:buNone/>
+            </a:pPr>
+            <a:r>
+              <a:rPr lang="fr-FR" dirty="0" smtClean="0"/>
+              <a:t>    If </a:t>
+            </a:r>
+            <a:r>
+              <a:rPr lang="fr-FR" dirty="0" err="1" smtClean="0"/>
+              <a:t>accepted</a:t>
+            </a:r>
+            <a:r>
+              <a:rPr lang="fr-FR" dirty="0" smtClean="0"/>
+              <a:t> B </a:t>
+            </a:r>
+            <a:r>
+              <a:rPr lang="fr-FR" dirty="0" err="1" smtClean="0"/>
+              <a:t>receive</a:t>
+            </a:r>
+            <a:r>
+              <a:rPr lang="fr-FR" dirty="0" smtClean="0"/>
+              <a:t> A phone </a:t>
+            </a:r>
+            <a:r>
+              <a:rPr lang="fr-FR" dirty="0" err="1" smtClean="0"/>
+              <a:t>number</a:t>
+            </a:r>
+            <a:r>
+              <a:rPr lang="fr-FR" dirty="0" smtClean="0"/>
+              <a:t>/email.</a:t>
+            </a:r>
+          </a:p>
+          <a:p>
+            <a:r>
+              <a:rPr lang="fr-FR" dirty="0" smtClean="0"/>
+              <a:t>A </a:t>
+            </a:r>
+            <a:r>
+              <a:rPr lang="fr-FR" dirty="0" err="1" smtClean="0"/>
+              <a:t>receive</a:t>
+            </a:r>
+            <a:r>
+              <a:rPr lang="fr-FR" dirty="0" smtClean="0"/>
+              <a:t> the </a:t>
+            </a:r>
+            <a:r>
+              <a:rPr lang="fr-FR" dirty="0" err="1" smtClean="0"/>
+              <a:t>answer</a:t>
+            </a:r>
+            <a:r>
+              <a:rPr lang="fr-FR" dirty="0" smtClean="0"/>
+              <a:t>. If </a:t>
+            </a:r>
+            <a:r>
+              <a:rPr lang="fr-FR" dirty="0" err="1" smtClean="0"/>
+              <a:t>accepted</a:t>
             </a:r>
             <a:r>
               <a:rPr lang="fr-FR" dirty="0" smtClean="0"/>
               <a:t> </a:t>
             </a:r>
-          </a:p>
-          <a:p>
-            <a:r>
-              <a:rPr lang="fr-FR" dirty="0" err="1" smtClean="0"/>
-              <a:t>We</a:t>
+            <a:r>
+              <a:rPr lang="fr-FR" dirty="0" err="1" smtClean="0"/>
+              <a:t>receive</a:t>
+            </a:r>
+            <a:r>
+              <a:rPr lang="fr-FR" dirty="0" smtClean="0"/>
+              <a:t> the </a:t>
+            </a:r>
+            <a:r>
+              <a:rPr lang="fr-FR" dirty="0" err="1" smtClean="0"/>
+              <a:t>adress</a:t>
+            </a:r>
+            <a:r>
+              <a:rPr lang="fr-FR" dirty="0" smtClean="0"/>
+              <a:t> and phone </a:t>
+            </a:r>
+            <a:r>
+              <a:rPr lang="fr-FR" dirty="0" err="1" smtClean="0"/>
+              <a:t>number</a:t>
+            </a:r>
+            <a:r>
+              <a:rPr lang="fr-FR" dirty="0" smtClean="0"/>
+              <a:t>/ email of B. </a:t>
+            </a:r>
+          </a:p>
+          <a:p>
+            <a:r>
+              <a:rPr lang="fr-FR" dirty="0" err="1" smtClean="0"/>
+              <a:t>WeX</a:t>
             </a:r>
             <a:r>
               <a:rPr lang="fr-FR" dirty="0" smtClean="0"/>
@@ -4006,266 +4192,12 @@
             </a:r>
             <a:r>
               <a:rPr lang="fr-FR" dirty="0" err="1" smtClean="0"/>
-              <a:t>validate</a:t>
-            </a:r>
-            <a:r>
-              <a:rPr lang="fr-FR" dirty="0" smtClean="0"/>
-              <a:t> the message</a:t>
-            </a:r>
-          </a:p>
-          <a:p>
-            <a:r>
-              <a:rPr lang="fr-FR" dirty="0" smtClean="0"/>
-              <a:t>A </a:t>
-            </a:r>
-            <a:r>
-              <a:rPr lang="fr-FR" dirty="0" err="1" smtClean="0"/>
-              <a:t>booX</a:t>
-            </a:r>
-            <a:r>
-              <a:rPr lang="fr-FR" dirty="0" smtClean="0"/>
-              <a:t> </a:t>
-            </a:r>
-            <a:r>
-              <a:rPr lang="fr-FR" dirty="0" smtClean="0"/>
-              <a:t>B</a:t>
-            </a:r>
-            <a:r>
-              <a:rPr lang="fr-FR" dirty="0" smtClean="0"/>
-              <a:t> </a:t>
-            </a:r>
-            <a:r>
-              <a:rPr lang="fr-FR" dirty="0" err="1" smtClean="0"/>
-              <a:t>eve</a:t>
-            </a:r>
-            <a:r>
-              <a:rPr lang="fr-FR" dirty="0" err="1" smtClean="0"/>
-              <a:t>nt</a:t>
-            </a:r>
-            <a:r>
-              <a:rPr lang="fr-FR" dirty="0" smtClean="0"/>
-              <a:t> </a:t>
-            </a:r>
-            <a:r>
-              <a:rPr lang="fr-FR" dirty="0" err="1" smtClean="0"/>
-              <a:t>add</a:t>
-            </a:r>
-            <a:r>
-              <a:rPr lang="fr-FR" dirty="0" smtClean="0"/>
-              <a:t> </a:t>
-            </a:r>
-            <a:r>
-              <a:rPr lang="fr-FR" dirty="0" err="1" smtClean="0"/>
-              <a:t>details</a:t>
-            </a:r>
-            <a:r>
-              <a:rPr lang="fr-FR" dirty="0" smtClean="0"/>
-              <a:t>: pax, </a:t>
-            </a:r>
-            <a:r>
-              <a:rPr lang="fr-FR" dirty="0" err="1" smtClean="0"/>
-              <a:t>arrival</a:t>
-            </a:r>
-            <a:r>
-              <a:rPr lang="fr-FR" dirty="0" smtClean="0"/>
-              <a:t> time, </a:t>
-            </a:r>
-            <a:r>
-              <a:rPr lang="fr-FR" dirty="0" err="1" smtClean="0"/>
-              <a:t>add</a:t>
-            </a:r>
-            <a:r>
-              <a:rPr lang="fr-FR" dirty="0" smtClean="0"/>
-              <a:t> </a:t>
-            </a:r>
-            <a:r>
-              <a:rPr lang="fr-FR" dirty="0" err="1" smtClean="0"/>
-              <a:t>his</a:t>
-            </a:r>
-            <a:r>
-              <a:rPr lang="fr-FR" dirty="0" smtClean="0"/>
-              <a:t> CB, </a:t>
-            </a:r>
-            <a:r>
-              <a:rPr lang="fr-FR" dirty="0" err="1" smtClean="0"/>
-              <a:t>confirm</a:t>
-            </a:r>
-            <a:r>
-              <a:rPr lang="fr-FR" dirty="0" smtClean="0"/>
-              <a:t>.</a:t>
-            </a:r>
-          </a:p>
-          <a:p>
-            <a:r>
-              <a:rPr lang="fr-FR" dirty="0" smtClean="0"/>
-              <a:t>B </a:t>
-            </a:r>
-            <a:r>
-              <a:rPr lang="fr-FR" dirty="0" err="1" smtClean="0"/>
-              <a:t>receive</a:t>
-            </a:r>
-            <a:r>
-              <a:rPr lang="fr-FR" dirty="0" smtClean="0"/>
-              <a:t> notification about A </a:t>
-            </a:r>
-            <a:r>
-              <a:rPr lang="fr-FR" dirty="0" err="1" smtClean="0"/>
-              <a:t>with</a:t>
-            </a:r>
-            <a:r>
-              <a:rPr lang="fr-FR" dirty="0" smtClean="0"/>
-              <a:t> the profil </a:t>
-            </a:r>
-            <a:r>
-              <a:rPr lang="fr-FR" dirty="0" err="1" smtClean="0"/>
-              <a:t>access</a:t>
-            </a:r>
-            <a:r>
-              <a:rPr lang="fr-FR" dirty="0" smtClean="0"/>
-              <a:t> + </a:t>
-            </a:r>
-            <a:r>
-              <a:rPr lang="fr-FR" dirty="0" err="1" smtClean="0"/>
-              <a:t>detail</a:t>
-            </a:r>
-            <a:r>
-              <a:rPr lang="fr-FR" dirty="0" smtClean="0"/>
-              <a:t>. </a:t>
-            </a:r>
-            <a:r>
-              <a:rPr lang="fr-FR" dirty="0" err="1" smtClean="0"/>
-              <a:t>Accept</a:t>
-            </a:r>
-            <a:r>
-              <a:rPr lang="fr-FR" dirty="0" smtClean="0"/>
-              <a:t> A </a:t>
-            </a:r>
-            <a:r>
-              <a:rPr lang="fr-FR" dirty="0" err="1" smtClean="0"/>
-              <a:t>before</a:t>
-            </a:r>
-            <a:r>
-              <a:rPr lang="fr-FR" dirty="0" smtClean="0"/>
-              <a:t> the </a:t>
-            </a:r>
-            <a:r>
-              <a:rPr lang="fr-FR" dirty="0" err="1" smtClean="0"/>
-              <a:t>next</a:t>
-            </a:r>
-            <a:r>
-              <a:rPr lang="fr-FR" dirty="0" smtClean="0"/>
-              <a:t>  30 minutes or refuse.</a:t>
-            </a:r>
-          </a:p>
-          <a:p>
-            <a:pPr>
-              <a:buNone/>
-            </a:pPr>
-            <a:r>
-              <a:rPr lang="fr-FR" dirty="0" smtClean="0"/>
-              <a:t> </a:t>
-            </a:r>
-            <a:r>
-              <a:rPr lang="fr-FR" dirty="0" smtClean="0"/>
-              <a:t>   If </a:t>
-            </a:r>
-            <a:r>
-              <a:rPr lang="fr-FR" dirty="0" err="1" smtClean="0"/>
-              <a:t>accepted</a:t>
-            </a:r>
-            <a:r>
-              <a:rPr lang="fr-FR" dirty="0" smtClean="0"/>
-              <a:t> B </a:t>
-            </a:r>
-            <a:r>
-              <a:rPr lang="fr-FR" dirty="0" err="1" smtClean="0"/>
-              <a:t>receive</a:t>
-            </a:r>
-            <a:r>
-              <a:rPr lang="fr-FR" dirty="0" smtClean="0"/>
-              <a:t> A phone </a:t>
-            </a:r>
-            <a:r>
-              <a:rPr lang="fr-FR" dirty="0" err="1" smtClean="0"/>
-              <a:t>number</a:t>
-            </a:r>
-            <a:r>
-              <a:rPr lang="fr-FR" dirty="0" smtClean="0"/>
-              <a:t>/email.</a:t>
-            </a:r>
-          </a:p>
-          <a:p>
-            <a:r>
-              <a:rPr lang="fr-FR" dirty="0" smtClean="0"/>
-              <a:t>A </a:t>
-            </a:r>
-            <a:r>
-              <a:rPr lang="fr-FR" dirty="0" err="1" smtClean="0"/>
-              <a:t>receive</a:t>
-            </a:r>
-            <a:r>
-              <a:rPr lang="fr-FR" dirty="0" smtClean="0"/>
-              <a:t> the </a:t>
-            </a:r>
-            <a:r>
-              <a:rPr lang="fr-FR" dirty="0" err="1" smtClean="0"/>
-              <a:t>answer</a:t>
-            </a:r>
-            <a:r>
-              <a:rPr lang="fr-FR" dirty="0" smtClean="0"/>
-              <a:t>. If </a:t>
-            </a:r>
-            <a:r>
-              <a:rPr lang="fr-FR" dirty="0" err="1" smtClean="0"/>
-              <a:t>accepted</a:t>
-            </a:r>
-            <a:r>
-              <a:rPr lang="fr-FR" dirty="0" smtClean="0"/>
-              <a:t> </a:t>
-            </a:r>
-            <a:r>
-              <a:rPr lang="fr-FR" dirty="0" err="1" smtClean="0"/>
-              <a:t>receive</a:t>
-            </a:r>
-            <a:r>
-              <a:rPr lang="fr-FR" dirty="0" smtClean="0"/>
-              <a:t> the </a:t>
-            </a:r>
-            <a:r>
-              <a:rPr lang="fr-FR" dirty="0" err="1" smtClean="0"/>
-              <a:t>adress</a:t>
-            </a:r>
-            <a:r>
-              <a:rPr lang="fr-FR" dirty="0" smtClean="0"/>
-              <a:t> and phone </a:t>
-            </a:r>
-            <a:r>
-              <a:rPr lang="fr-FR" dirty="0" err="1" smtClean="0"/>
-              <a:t>number</a:t>
-            </a:r>
-            <a:r>
-              <a:rPr lang="fr-FR" dirty="0" smtClean="0"/>
-              <a:t>/ email of B. </a:t>
-            </a:r>
-          </a:p>
-          <a:p>
-            <a:r>
-              <a:rPr lang="fr-FR" dirty="0" err="1" smtClean="0"/>
-              <a:t>WeX</a:t>
-            </a:r>
-            <a:r>
-              <a:rPr lang="fr-FR" dirty="0" smtClean="0"/>
-              <a:t> </a:t>
-            </a:r>
-            <a:r>
-              <a:rPr lang="fr-FR" dirty="0" err="1" smtClean="0"/>
               <a:t>received</a:t>
             </a:r>
             <a:r>
               <a:rPr lang="fr-FR" dirty="0" smtClean="0"/>
               <a:t> money.</a:t>
             </a:r>
-            <a:endParaRPr lang="fr-FR" dirty="0" smtClean="0"/>
           </a:p>
           <a:p>
             <a:endParaRPr lang="fr-FR" dirty="0" smtClean="0"/>
@@ -4505,6 +4437,487 @@
               <a:rPr lang="fr-FR" dirty="0" smtClean="0"/>
               <a:t> </a:t>
             </a:r>
+          </a:p>
+          <a:p>
+            <a:pPr>
+              <a:buNone/>
+            </a:pPr>
+            <a:endParaRPr lang="fr-FR" dirty="0" smtClean="0"/>
+          </a:p>
+          <a:p>
+            <a:endParaRPr lang="fr-FR" dirty="0" smtClean="0"/>
+          </a:p>
+          <a:p>
+            <a:endParaRPr lang="fr-FR" dirty="0" smtClean="0"/>
+          </a:p>
+          <a:p>
+            <a:endParaRPr lang="fr-FR" dirty="0" smtClean="0"/>
+          </a:p>
+          <a:p>
+            <a:endParaRPr lang="fr-FR" dirty="0"/>
+          </a:p>
+        </p:txBody>
+      </p:sp>
+    </p:spTree>
+  </p:cSld>
+  <p:clrMapOvr>
+    <a:masterClrMapping/>
+  </p:clrMapOvr>
+</p:sld>
+</file>
+
+<file path=ppt/slides/slide13.xml><?xml version="1.0" encoding="utf-8"?>
+<p:sld xmlns:a="http://schemas.openxmlformats.org/drawingml/2006/main" xmlns:r="http://schemas.openxmlformats.org/officeDocument/2006/relationships" xmlns:p="http://schemas.openxmlformats.org/presentationml/2006/main">
+  <p:cSld>
+    <p:spTree>
+      <p:nvGrpSpPr>
+        <p:cNvPr id="1" name=""/>
+        <p:cNvGrpSpPr/>
+        <p:nvPr/>
+      </p:nvGrpSpPr>
+      <p:grpSpPr>
+        <a:xfrm>
+          <a:off x="0" y="0"/>
+          <a:ext cx="0" cy="0"/>
+          <a:chOff x="0" y="0"/>
+          <a:chExt cx="0" cy="0"/>
+        </a:xfrm>
+      </p:grpSpPr>
+      <p:sp>
+        <p:nvSpPr>
+          <p:cNvPr id="2" name="Titre 1"/>
+          <p:cNvSpPr>
+            <a:spLocks noGrp="1"/>
+          </p:cNvSpPr>
+          <p:nvPr>
+            <p:ph type="title"/>
+          </p:nvPr>
+        </p:nvSpPr>
+        <p:spPr/>
+        <p:txBody>
+          <a:bodyPr/>
+          <a:lstStyle/>
+          <a:p>
+            <a:r>
+              <a:rPr lang="fr-FR" dirty="0" smtClean="0"/>
+              <a:t>A </a:t>
+            </a:r>
+            <a:r>
+              <a:rPr lang="fr-FR" dirty="0" err="1" smtClean="0"/>
+              <a:t>Xuser</a:t>
+            </a:r>
+            <a:r>
+              <a:rPr lang="fr-FR" dirty="0" smtClean="0"/>
+              <a:t> – B </a:t>
+            </a:r>
+            <a:r>
+              <a:rPr lang="fr-FR" dirty="0" err="1" smtClean="0"/>
+              <a:t>cookuser</a:t>
+            </a:r>
+            <a:r>
+              <a:rPr lang="fr-FR" dirty="0" smtClean="0"/>
+              <a:t> –</a:t>
+            </a:r>
+            <a:r>
+              <a:rPr lang="fr-FR" dirty="0" err="1" smtClean="0"/>
+              <a:t>WeX</a:t>
+            </a:r>
+            <a:endParaRPr lang="fr-FR" dirty="0"/>
+          </a:p>
+        </p:txBody>
+      </p:sp>
+      <p:sp>
+        <p:nvSpPr>
+          <p:cNvPr id="3" name="Espace réservé du contenu 2"/>
+          <p:cNvSpPr>
+            <a:spLocks noGrp="1"/>
+          </p:cNvSpPr>
+          <p:nvPr>
+            <p:ph idx="1"/>
+          </p:nvPr>
+        </p:nvSpPr>
+        <p:spPr/>
+        <p:txBody>
+          <a:bodyPr>
+            <a:normAutofit fontScale="85000" lnSpcReduction="20000"/>
+          </a:bodyPr>
+          <a:lstStyle/>
+          <a:p>
+            <a:r>
+              <a:rPr lang="fr-FR" dirty="0" smtClean="0"/>
+              <a:t>Money </a:t>
+            </a:r>
+            <a:r>
+              <a:rPr lang="fr-FR" dirty="0" err="1" smtClean="0"/>
+              <a:t>movement</a:t>
+            </a:r>
+            <a:r>
+              <a:rPr lang="fr-FR" dirty="0" smtClean="0"/>
+              <a:t>: </a:t>
+            </a:r>
+          </a:p>
+          <a:p>
+            <a:r>
+              <a:rPr lang="fr-FR" dirty="0" smtClean="0"/>
+              <a:t>A </a:t>
+            </a:r>
+            <a:r>
+              <a:rPr lang="fr-FR" dirty="0" err="1" smtClean="0"/>
+              <a:t>gets</a:t>
+            </a:r>
+            <a:r>
+              <a:rPr lang="fr-FR" dirty="0" smtClean="0"/>
+              <a:t> </a:t>
+            </a:r>
+            <a:r>
+              <a:rPr lang="fr-FR" dirty="0" err="1" smtClean="0"/>
+              <a:t>debited</a:t>
+            </a:r>
+            <a:r>
+              <a:rPr lang="fr-FR" dirty="0" smtClean="0"/>
+              <a:t> </a:t>
+            </a:r>
+            <a:r>
+              <a:rPr lang="fr-FR" dirty="0" err="1" smtClean="0"/>
+              <a:t>from</a:t>
+            </a:r>
+            <a:r>
+              <a:rPr lang="fr-FR" dirty="0" smtClean="0"/>
+              <a:t> the </a:t>
+            </a:r>
+            <a:r>
+              <a:rPr lang="fr-FR" dirty="0" err="1" smtClean="0"/>
+              <a:t>booking</a:t>
+            </a:r>
+            <a:r>
+              <a:rPr lang="fr-FR" dirty="0" smtClean="0"/>
+              <a:t> moment</a:t>
+            </a:r>
+          </a:p>
+          <a:p>
+            <a:r>
+              <a:rPr lang="fr-FR" dirty="0" smtClean="0"/>
+              <a:t>B </a:t>
+            </a:r>
+            <a:r>
+              <a:rPr lang="fr-FR" dirty="0" err="1" smtClean="0"/>
+              <a:t>received</a:t>
+            </a:r>
+            <a:r>
+              <a:rPr lang="fr-FR" dirty="0" smtClean="0"/>
+              <a:t> the money </a:t>
+            </a:r>
+            <a:r>
+              <a:rPr lang="fr-FR" dirty="0" err="1" smtClean="0"/>
+              <a:t>at</a:t>
+            </a:r>
+            <a:r>
+              <a:rPr lang="fr-FR" dirty="0" smtClean="0"/>
+              <a:t> the end of the </a:t>
+            </a:r>
+            <a:r>
+              <a:rPr lang="fr-FR" dirty="0" err="1" smtClean="0"/>
+              <a:t>event</a:t>
+            </a:r>
+            <a:r>
+              <a:rPr lang="fr-FR" dirty="0" smtClean="0"/>
+              <a:t> </a:t>
+            </a:r>
+          </a:p>
+          <a:p>
+            <a:r>
+              <a:rPr lang="fr-FR" dirty="0" smtClean="0"/>
+              <a:t>A </a:t>
+            </a:r>
+            <a:r>
+              <a:rPr lang="fr-FR" dirty="0" err="1" smtClean="0"/>
+              <a:t>get</a:t>
+            </a:r>
+            <a:r>
+              <a:rPr lang="fr-FR" dirty="0" smtClean="0"/>
+              <a:t> </a:t>
+            </a:r>
+            <a:r>
+              <a:rPr lang="fr-FR" dirty="0" err="1" smtClean="0"/>
+              <a:t>refund</a:t>
+            </a:r>
+            <a:r>
+              <a:rPr lang="fr-FR" dirty="0" smtClean="0"/>
+              <a:t> 100% the </a:t>
+            </a:r>
+            <a:r>
+              <a:rPr lang="fr-FR" dirty="0" err="1" smtClean="0"/>
+              <a:t>day</a:t>
+            </a:r>
+            <a:r>
+              <a:rPr lang="fr-FR" dirty="0" smtClean="0"/>
+              <a:t> </a:t>
+            </a:r>
+            <a:r>
+              <a:rPr lang="fr-FR" dirty="0" err="1" smtClean="0"/>
+              <a:t>before</a:t>
+            </a:r>
+            <a:r>
+              <a:rPr lang="fr-FR" dirty="0" smtClean="0"/>
+              <a:t> and 50% 12h </a:t>
+            </a:r>
+            <a:r>
+              <a:rPr lang="fr-FR" dirty="0" err="1" smtClean="0"/>
+              <a:t>before</a:t>
+            </a:r>
+            <a:endParaRPr lang="fr-FR" dirty="0" smtClean="0"/>
+          </a:p>
+          <a:p>
+            <a:r>
+              <a:rPr lang="fr-FR" dirty="0" smtClean="0"/>
+              <a:t>If A </a:t>
+            </a:r>
+            <a:r>
+              <a:rPr lang="fr-FR" dirty="0" err="1" smtClean="0"/>
+              <a:t>doesnt</a:t>
+            </a:r>
+            <a:r>
+              <a:rPr lang="fr-FR" dirty="0" smtClean="0"/>
+              <a:t> </a:t>
+            </a:r>
+            <a:r>
+              <a:rPr lang="fr-FR" dirty="0" err="1" smtClean="0"/>
+              <a:t>showup</a:t>
+            </a:r>
+            <a:r>
+              <a:rPr lang="fr-FR" dirty="0" smtClean="0"/>
+              <a:t> </a:t>
+            </a:r>
+            <a:r>
+              <a:rPr lang="fr-FR" dirty="0" err="1" smtClean="0"/>
+              <a:t>nothing</a:t>
+            </a:r>
+            <a:r>
+              <a:rPr lang="fr-FR" dirty="0" smtClean="0"/>
+              <a:t> change</a:t>
+            </a:r>
+          </a:p>
+          <a:p>
+            <a:r>
+              <a:rPr lang="fr-FR" dirty="0" smtClean="0"/>
+              <a:t>If B </a:t>
+            </a:r>
+            <a:r>
+              <a:rPr lang="fr-FR" dirty="0" err="1" smtClean="0"/>
+              <a:t>had</a:t>
+            </a:r>
+            <a:r>
+              <a:rPr lang="fr-FR" dirty="0" smtClean="0"/>
+              <a:t> a </a:t>
+            </a:r>
+            <a:r>
+              <a:rPr lang="fr-FR" dirty="0" err="1" smtClean="0"/>
+              <a:t>fake</a:t>
+            </a:r>
+            <a:r>
+              <a:rPr lang="fr-FR" dirty="0" smtClean="0"/>
+              <a:t> </a:t>
+            </a:r>
+            <a:r>
+              <a:rPr lang="fr-FR" dirty="0" err="1" smtClean="0"/>
+              <a:t>event</a:t>
+            </a:r>
+            <a:r>
+              <a:rPr lang="fr-FR" dirty="0" smtClean="0"/>
+              <a:t> and - A </a:t>
+            </a:r>
+            <a:r>
+              <a:rPr lang="fr-FR" dirty="0" err="1" smtClean="0"/>
+              <a:t>give</a:t>
+            </a:r>
+            <a:r>
+              <a:rPr lang="fr-FR" dirty="0" smtClean="0"/>
+              <a:t> notice </a:t>
+            </a:r>
+            <a:r>
+              <a:rPr lang="fr-FR" dirty="0" err="1" smtClean="0"/>
+              <a:t>before</a:t>
+            </a:r>
+            <a:r>
+              <a:rPr lang="fr-FR" dirty="0" smtClean="0"/>
+              <a:t> the end of the </a:t>
+            </a:r>
+            <a:r>
+              <a:rPr lang="fr-FR" dirty="0" err="1" smtClean="0"/>
+              <a:t>event</a:t>
+            </a:r>
+            <a:r>
+              <a:rPr lang="fr-FR" dirty="0" smtClean="0"/>
+              <a:t> B money </a:t>
+            </a:r>
+            <a:r>
+              <a:rPr lang="fr-FR" dirty="0" err="1" smtClean="0"/>
+              <a:t>is</a:t>
+            </a:r>
+            <a:r>
+              <a:rPr lang="fr-FR" dirty="0" smtClean="0"/>
+              <a:t> </a:t>
+            </a:r>
+            <a:r>
+              <a:rPr lang="fr-FR" dirty="0" err="1" smtClean="0"/>
+              <a:t>frozen</a:t>
+            </a:r>
+            <a:r>
+              <a:rPr lang="fr-FR" dirty="0" smtClean="0"/>
+              <a:t> </a:t>
+            </a:r>
+            <a:r>
+              <a:rPr lang="fr-FR" dirty="0" err="1" smtClean="0"/>
+              <a:t>we</a:t>
+            </a:r>
+            <a:r>
+              <a:rPr lang="fr-FR" dirty="0" smtClean="0"/>
+              <a:t> check the situation and if </a:t>
+            </a:r>
+            <a:r>
+              <a:rPr lang="fr-FR" dirty="0" err="1" smtClean="0"/>
+              <a:t>its</a:t>
+            </a:r>
+            <a:r>
+              <a:rPr lang="fr-FR" dirty="0" smtClean="0"/>
+              <a:t> </a:t>
+            </a:r>
+            <a:r>
+              <a:rPr lang="fr-FR" dirty="0" err="1" smtClean="0"/>
+              <a:t>checks</a:t>
+            </a:r>
+            <a:r>
+              <a:rPr lang="fr-FR" dirty="0" smtClean="0"/>
+              <a:t>-</a:t>
+            </a:r>
+            <a:r>
+              <a:rPr lang="fr-FR" dirty="0" smtClean="0"/>
+              <a:t>out A </a:t>
+            </a:r>
+            <a:r>
+              <a:rPr lang="fr-FR" dirty="0" err="1" smtClean="0"/>
+              <a:t>get</a:t>
+            </a:r>
+            <a:r>
+              <a:rPr lang="fr-FR" dirty="0" smtClean="0"/>
+              <a:t> </a:t>
+            </a:r>
+            <a:r>
+              <a:rPr lang="fr-FR" dirty="0" err="1" smtClean="0"/>
+              <a:t>refund</a:t>
+            </a:r>
+            <a:endParaRPr lang="fr-FR" dirty="0" smtClean="0"/>
+          </a:p>
+          <a:p>
+            <a:pPr>
+              <a:buNone/>
+            </a:pPr>
+            <a:r>
+              <a:rPr lang="fr-FR" dirty="0" smtClean="0"/>
+              <a:t> </a:t>
+            </a:r>
+            <a:r>
+              <a:rPr lang="fr-FR" dirty="0" smtClean="0"/>
+              <a:t>   - A notice </a:t>
+            </a:r>
+            <a:r>
+              <a:rPr lang="fr-FR" dirty="0" err="1" smtClean="0"/>
+              <a:t>it</a:t>
+            </a:r>
+            <a:r>
+              <a:rPr lang="fr-FR" dirty="0" smtClean="0"/>
+              <a:t> </a:t>
+            </a:r>
+            <a:r>
+              <a:rPr lang="fr-FR" dirty="0" err="1" smtClean="0"/>
+              <a:t>after</a:t>
+            </a:r>
+            <a:r>
+              <a:rPr lang="fr-FR" dirty="0" smtClean="0"/>
+              <a:t> the end of the </a:t>
+            </a:r>
+            <a:r>
+              <a:rPr lang="fr-FR" dirty="0" err="1" smtClean="0"/>
+              <a:t>event</a:t>
+            </a:r>
+            <a:r>
+              <a:rPr lang="fr-FR" dirty="0" smtClean="0"/>
+              <a:t> </a:t>
+            </a:r>
+            <a:r>
+              <a:rPr lang="fr-FR" dirty="0" err="1" smtClean="0"/>
+              <a:t>we</a:t>
+            </a:r>
+            <a:r>
+              <a:rPr lang="fr-FR" dirty="0" smtClean="0"/>
+              <a:t> check the situation and if </a:t>
+            </a:r>
+            <a:r>
+              <a:rPr lang="fr-FR" dirty="0" err="1" smtClean="0"/>
+              <a:t>its</a:t>
+            </a:r>
+            <a:r>
+              <a:rPr lang="fr-FR" dirty="0" smtClean="0"/>
+              <a:t> </a:t>
+            </a:r>
+            <a:r>
+              <a:rPr lang="fr-FR" dirty="0" err="1" smtClean="0"/>
+              <a:t>checks</a:t>
+            </a:r>
+            <a:r>
+              <a:rPr lang="fr-FR" dirty="0" smtClean="0"/>
+              <a:t>-out B </a:t>
+            </a:r>
+            <a:r>
+              <a:rPr lang="fr-FR" dirty="0" err="1" smtClean="0"/>
+              <a:t>gets</a:t>
+            </a:r>
+            <a:r>
+              <a:rPr lang="fr-FR" dirty="0" smtClean="0"/>
+              <a:t> </a:t>
+            </a:r>
+            <a:r>
+              <a:rPr lang="fr-FR" dirty="0" err="1" smtClean="0"/>
+              <a:t>is</a:t>
+            </a:r>
+            <a:r>
+              <a:rPr lang="fr-FR" dirty="0" smtClean="0"/>
+              <a:t> </a:t>
+            </a:r>
+            <a:r>
+              <a:rPr lang="fr-FR" dirty="0" err="1" smtClean="0"/>
+              <a:t>account</a:t>
+            </a:r>
+            <a:r>
+              <a:rPr lang="fr-FR" dirty="0" smtClean="0"/>
+              <a:t> </a:t>
+            </a:r>
+            <a:r>
+              <a:rPr lang="fr-FR" dirty="0" err="1" smtClean="0"/>
+              <a:t>frozen</a:t>
+            </a:r>
+            <a:r>
+              <a:rPr lang="fr-FR" dirty="0" smtClean="0"/>
+              <a:t> and A </a:t>
+            </a:r>
+            <a:r>
+              <a:rPr lang="fr-FR" dirty="0" err="1" smtClean="0"/>
+              <a:t>get</a:t>
+            </a:r>
+            <a:r>
+              <a:rPr lang="fr-FR" dirty="0" smtClean="0"/>
+              <a:t> </a:t>
+            </a:r>
+            <a:r>
+              <a:rPr lang="fr-FR" dirty="0" err="1" smtClean="0"/>
+              <a:t>refund</a:t>
+            </a:r>
+            <a:r>
+              <a:rPr lang="fr-FR" dirty="0" smtClean="0"/>
+              <a:t> by us. </a:t>
+            </a:r>
+          </a:p>
+          <a:p>
             <a:endParaRPr lang="fr-FR" dirty="0" smtClean="0"/>
           </a:p>
           <a:p>
@@ -4958,13 +5371,8 @@
             </a:pPr>
             <a:r>
               <a:rPr lang="fr-FR" dirty="0" smtClean="0"/>
-              <a:t>Cook Section </a:t>
-            </a:r>
-            <a:r>
-              <a:rPr lang="fr-FR" dirty="0" smtClean="0"/>
-              <a:t>(option)</a:t>
-            </a:r>
-            <a:endParaRPr lang="fr-FR" dirty="0" smtClean="0"/>
+              <a:t>Cook Section (option)</a:t>
+            </a:r>
           </a:p>
           <a:p>
             <a:pPr>
@@ -5267,25 +5675,24 @@
               <a:rPr lang="fr-FR" dirty="0" smtClean="0"/>
               <a:t>Age </a:t>
             </a:r>
+          </a:p>
+          <a:p>
+            <a:r>
+              <a:rPr lang="fr-FR" dirty="0" err="1" smtClean="0"/>
+              <a:t>Sex</a:t>
+            </a:r>
             <a:endParaRPr lang="fr-FR" dirty="0" smtClean="0"/>
           </a:p>
           <a:p>
             <a:r>
               <a:rPr lang="fr-FR" dirty="0" err="1" smtClean="0"/>
-              <a:t>Sex</a:t>
+              <a:t>Nationality</a:t>
             </a:r>
             <a:endParaRPr lang="fr-FR" dirty="0" smtClean="0"/>
           </a:p>
           <a:p>
             <a:r>
               <a:rPr lang="fr-FR" dirty="0" err="1" smtClean="0"/>
-              <a:t>Nationality</a:t>
-            </a:r>
-            <a:endParaRPr lang="fr-FR" dirty="0" smtClean="0"/>
-          </a:p>
-          <a:p>
-            <a:r>
-              <a:rPr lang="fr-FR" dirty="0" err="1" smtClean="0"/>
               <a:t>Language</a:t>
             </a:r>
             <a:r>
@@ -5296,11 +5703,7 @@
           <a:p>
             <a:r>
               <a:rPr lang="fr-FR" dirty="0" smtClean="0"/>
-              <a:t>Type de </a:t>
-            </a:r>
-            <a:r>
-              <a:rPr lang="fr-FR" dirty="0" smtClean="0"/>
-              <a:t>lieu</a:t>
+              <a:t>Type de lieu</a:t>
             </a:r>
           </a:p>
           <a:p>
@@ -6432,7 +6835,6 @@
               <a:rPr lang="fr-FR" dirty="0" smtClean="0"/>
               <a:t>voir profil</a:t>
             </a:r>
-            <a:endParaRPr lang="fr-FR" dirty="0" smtClean="0"/>
           </a:p>
         </p:txBody>
       </p:sp>

--- a/UnskilledStudio/CookXme/CookXme.pptx
+++ b/UnskilledStudio/CookXme/CookXme.pptx
@@ -205,7 +205,7 @@
             <a:fld id="{252B2DB4-9253-4EE9-8966-47E3F657B1DE}" type="datetimeFigureOut">
               <a:rPr lang="fr-FR" smtClean="0"/>
               <a:pPr/>
-              <a:t>20/08/2019</a:t>
+              <a:t>22/08/2019</a:t>
             </a:fld>
             <a:endParaRPr lang="fr-FR"/>
           </a:p>
@@ -735,7 +735,7 @@
             <a:fld id="{3D1306C7-22D7-4212-BCEF-D2C37F25D3D3}" type="datetimeFigureOut">
               <a:rPr lang="fr-FR" smtClean="0"/>
               <a:pPr/>
-              <a:t>20/08/2019</a:t>
+              <a:t>22/08/2019</a:t>
             </a:fld>
             <a:endParaRPr lang="fr-FR"/>
           </a:p>
@@ -902,7 +902,7 @@
             <a:fld id="{3D1306C7-22D7-4212-BCEF-D2C37F25D3D3}" type="datetimeFigureOut">
               <a:rPr lang="fr-FR" smtClean="0"/>
               <a:pPr/>
-              <a:t>20/08/2019</a:t>
+              <a:t>22/08/2019</a:t>
             </a:fld>
             <a:endParaRPr lang="fr-FR"/>
           </a:p>
@@ -1079,7 +1079,7 @@
             <a:fld id="{3D1306C7-22D7-4212-BCEF-D2C37F25D3D3}" type="datetimeFigureOut">
               <a:rPr lang="fr-FR" smtClean="0"/>
               <a:pPr/>
-              <a:t>20/08/2019</a:t>
+              <a:t>22/08/2019</a:t>
             </a:fld>
             <a:endParaRPr lang="fr-FR"/>
           </a:p>
@@ -1246,7 +1246,7 @@
             <a:fld id="{3D1306C7-22D7-4212-BCEF-D2C37F25D3D3}" type="datetimeFigureOut">
               <a:rPr lang="fr-FR" smtClean="0"/>
               <a:pPr/>
-              <a:t>20/08/2019</a:t>
+              <a:t>22/08/2019</a:t>
             </a:fld>
             <a:endParaRPr lang="fr-FR"/>
           </a:p>
@@ -1489,7 +1489,7 @@
             <a:fld id="{3D1306C7-22D7-4212-BCEF-D2C37F25D3D3}" type="datetimeFigureOut">
               <a:rPr lang="fr-FR" smtClean="0"/>
               <a:pPr/>
-              <a:t>20/08/2019</a:t>
+              <a:t>22/08/2019</a:t>
             </a:fld>
             <a:endParaRPr lang="fr-FR"/>
           </a:p>
@@ -1774,7 +1774,7 @@
             <a:fld id="{3D1306C7-22D7-4212-BCEF-D2C37F25D3D3}" type="datetimeFigureOut">
               <a:rPr lang="fr-FR" smtClean="0"/>
               <a:pPr/>
-              <a:t>20/08/2019</a:t>
+              <a:t>22/08/2019</a:t>
             </a:fld>
             <a:endParaRPr lang="fr-FR"/>
           </a:p>
@@ -2193,7 +2193,7 @@
             <a:fld id="{3D1306C7-22D7-4212-BCEF-D2C37F25D3D3}" type="datetimeFigureOut">
               <a:rPr lang="fr-FR" smtClean="0"/>
               <a:pPr/>
-              <a:t>20/08/2019</a:t>
+              <a:t>22/08/2019</a:t>
             </a:fld>
             <a:endParaRPr lang="fr-FR"/>
           </a:p>
@@ -2308,7 +2308,7 @@
             <a:fld id="{3D1306C7-22D7-4212-BCEF-D2C37F25D3D3}" type="datetimeFigureOut">
               <a:rPr lang="fr-FR" smtClean="0"/>
               <a:pPr/>
-              <a:t>20/08/2019</a:t>
+              <a:t>22/08/2019</a:t>
             </a:fld>
             <a:endParaRPr lang="fr-FR"/>
           </a:p>
@@ -2400,7 +2400,7 @@
             <a:fld id="{3D1306C7-22D7-4212-BCEF-D2C37F25D3D3}" type="datetimeFigureOut">
               <a:rPr lang="fr-FR" smtClean="0"/>
               <a:pPr/>
-              <a:t>20/08/2019</a:t>
+              <a:t>22/08/2019</a:t>
             </a:fld>
             <a:endParaRPr lang="fr-FR"/>
           </a:p>
@@ -2674,7 +2674,7 @@
             <a:fld id="{3D1306C7-22D7-4212-BCEF-D2C37F25D3D3}" type="datetimeFigureOut">
               <a:rPr lang="fr-FR" smtClean="0"/>
               <a:pPr/>
-              <a:t>20/08/2019</a:t>
+              <a:t>22/08/2019</a:t>
             </a:fld>
             <a:endParaRPr lang="fr-FR"/>
           </a:p>
@@ -2924,7 +2924,7 @@
             <a:fld id="{3D1306C7-22D7-4212-BCEF-D2C37F25D3D3}" type="datetimeFigureOut">
               <a:rPr lang="fr-FR" smtClean="0"/>
               <a:pPr/>
-              <a:t>20/08/2019</a:t>
+              <a:t>22/08/2019</a:t>
             </a:fld>
             <a:endParaRPr lang="fr-FR"/>
           </a:p>
@@ -3134,7 +3134,7 @@
             <a:fld id="{3D1306C7-22D7-4212-BCEF-D2C37F25D3D3}" type="datetimeFigureOut">
               <a:rPr lang="fr-FR" smtClean="0"/>
               <a:pPr/>
-              <a:t>20/08/2019</a:t>
+              <a:t>22/08/2019</a:t>
             </a:fld>
             <a:endParaRPr lang="fr-FR"/>
           </a:p>
@@ -4788,11 +4788,7 @@
             </a:r>
             <a:r>
               <a:rPr lang="fr-FR" dirty="0" smtClean="0"/>
-              <a:t>-</a:t>
-            </a:r>
-            <a:r>
-              <a:rPr lang="fr-FR" dirty="0" smtClean="0"/>
-              <a:t>out A </a:t>
+              <a:t>-out A </a:t>
             </a:r>
             <a:r>
               <a:rPr lang="fr-FR" dirty="0" err="1" smtClean="0"/>
@@ -4814,11 +4810,7 @@
             </a:pPr>
             <a:r>
               <a:rPr lang="fr-FR" dirty="0" smtClean="0"/>
-              <a:t> </a:t>
-            </a:r>
-            <a:r>
-              <a:rPr lang="fr-FR" dirty="0" smtClean="0"/>
-              <a:t>   - A notice </a:t>
+              <a:t>    - A notice </a:t>
             </a:r>
             <a:r>
               <a:rPr lang="fr-FR" dirty="0" err="1" smtClean="0"/>
